--- a/Presentations/Third Intermediate Presentation/Presentation.pptx
+++ b/Presentations/Third Intermediate Presentation/Presentation.pptx
@@ -6,10 +6,10 @@
     <p:sldMasterId id="2147483694" r:id="rId2"/>
   </p:sldMasterIdLst>
   <p:notesMasterIdLst>
-    <p:notesMasterId r:id="rId27"/>
+    <p:notesMasterId r:id="rId29"/>
   </p:notesMasterIdLst>
   <p:handoutMasterIdLst>
-    <p:handoutMasterId r:id="rId28"/>
+    <p:handoutMasterId r:id="rId30"/>
   </p:handoutMasterIdLst>
   <p:sldIdLst>
     <p:sldId id="261" r:id="rId3"/>
@@ -33,9 +33,11 @@
     <p:sldId id="284" r:id="rId21"/>
     <p:sldId id="285" r:id="rId22"/>
     <p:sldId id="286" r:id="rId23"/>
-    <p:sldId id="278" r:id="rId24"/>
-    <p:sldId id="265" r:id="rId25"/>
-    <p:sldId id="279" r:id="rId26"/>
+    <p:sldId id="287" r:id="rId24"/>
+    <p:sldId id="288" r:id="rId25"/>
+    <p:sldId id="278" r:id="rId26"/>
+    <p:sldId id="265" r:id="rId27"/>
+    <p:sldId id="279" r:id="rId28"/>
   </p:sldIdLst>
   <p:sldSz cx="12192000" cy="6858000"/>
   <p:notesSz cx="6858000" cy="9144000"/>
@@ -9672,7 +9674,7 @@
           <p:cNvPr id="2" name="Tijdelijke aanduiding voor inhoud 1">
             <a:extLst>
               <a:ext uri="{FF2B5EF4-FFF2-40B4-BE49-F238E27FC236}">
-                <a16:creationId xmlns:a16="http://schemas.microsoft.com/office/drawing/2014/main" id="{C2DD4878-C86C-AD15-837A-E2BE6234C6E7}"/>
+                <a16:creationId xmlns:a16="http://schemas.microsoft.com/office/drawing/2014/main" id="{5D957F36-45E6-9225-91FC-50E3511DB37C}"/>
               </a:ext>
             </a:extLst>
           </p:cNvPr>
@@ -9688,62 +9690,66 @@
           <a:bodyPr/>
           <a:lstStyle/>
           <a:p>
+            <a:pPr marL="457200" indent="-457200">
+              <a:buFont typeface="+mj-lt"/>
+              <a:buAutoNum type="arabicPeriod"/>
+            </a:pPr>
             <a:r>
               <a:rPr lang="nl-NL" dirty="0"/>
-              <a:t>(Half)Rijmen</a:t>
+              <a:t>De POS-tag sequentie per originele lijn wordt gemaakt</a:t>
             </a:r>
           </a:p>
           <a:p>
-            <a:pPr lvl="1"/>
+            <a:pPr marL="457200" indent="-457200">
+              <a:buFont typeface="+mj-lt"/>
+              <a:buAutoNum type="arabicPeriod"/>
+            </a:pPr>
             <a:r>
               <a:rPr lang="nl-NL" dirty="0"/>
-              <a:t>Eindrijmen</a:t>
+              <a:t>De k-beste volgende tokens worden genomen</a:t>
             </a:r>
           </a:p>
           <a:p>
-            <a:pPr lvl="1"/>
+            <a:pPr marL="457200" indent="-457200">
+              <a:buFont typeface="+mj-lt"/>
+              <a:buAutoNum type="arabicPeriod"/>
+            </a:pPr>
             <a:r>
               <a:rPr lang="nl-NL" dirty="0"/>
-              <a:t>Rijmschema’s detecteren</a:t>
+              <a:t>Voor elke token wordt gekeken welke pos-tag ze zouden toevoegen</a:t>
             </a:r>
           </a:p>
           <a:p>
-            <a:pPr lvl="1"/>
+            <a:pPr marL="457200" indent="-457200">
+              <a:buFont typeface="+mj-lt"/>
+              <a:buAutoNum type="arabicPeriod"/>
+            </a:pPr>
             <a:r>
               <a:rPr lang="nl-NL" dirty="0"/>
-              <a:t>Rijmen forceren?</a:t>
-            </a:r>
+              <a:t>Als de gelijkenis t.o.v. ervoor verbeterd wordt die token </a:t>
+            </a:r>
+            <a:r>
+              <a:rPr lang="nl-NL" dirty="0" err="1"/>
+              <a:t>geboost</a:t>
+            </a:r>
+            <a:endParaRPr lang="nl-NL" dirty="0"/>
           </a:p>
           <a:p>
+            <a:pPr marL="457200" indent="-457200">
+              <a:buFont typeface="+mj-lt"/>
+              <a:buAutoNum type="arabicPeriod"/>
+            </a:pPr>
             <a:r>
               <a:rPr lang="nl-NL" dirty="0"/>
-              <a:t>POS-tag</a:t>
-            </a:r>
-          </a:p>
-          <a:p>
-            <a:pPr lvl="1"/>
+              <a:t>De </a:t>
+            </a:r>
+            <a:r>
+              <a:rPr lang="nl-NL" dirty="0" err="1"/>
+              <a:t>beam</a:t>
+            </a:r>
             <a:r>
               <a:rPr lang="nl-NL" dirty="0"/>
-              <a:t>Elk woord heeft zelfde POS-tag</a:t>
-            </a:r>
-          </a:p>
-          <a:p>
-            <a:r>
-              <a:rPr lang="nl-NL" dirty="0"/>
-              <a:t>Zoek algoritme aanpassen? Beam Search + Backtracking</a:t>
-            </a:r>
-          </a:p>
-          <a:p>
-            <a:r>
-              <a:rPr lang="nl-NL" dirty="0"/>
-              <a:t>Humor</a:t>
-            </a:r>
-          </a:p>
-          <a:p>
-            <a:pPr lvl="1"/>
-            <a:r>
-              <a:rPr lang="nl-NL" dirty="0"/>
-              <a:t>Finetunen van bestaande modellen</a:t>
+              <a:t> met de betere pos-tag sequentie wordt geprefereerd</a:t>
             </a:r>
           </a:p>
         </p:txBody>
@@ -9753,7 +9759,7 @@
           <p:cNvPr id="3" name="Tijdelijke aanduiding voor voettekst 2">
             <a:extLst>
               <a:ext uri="{FF2B5EF4-FFF2-40B4-BE49-F238E27FC236}">
-                <a16:creationId xmlns:a16="http://schemas.microsoft.com/office/drawing/2014/main" id="{2218C1C5-F8E7-79F3-BE36-B28578849354}"/>
+                <a16:creationId xmlns:a16="http://schemas.microsoft.com/office/drawing/2014/main" id="{622AE155-BA44-632D-7929-B935A78B28FE}"/>
               </a:ext>
             </a:extLst>
           </p:cNvPr>
@@ -9782,7 +9788,7 @@
           <p:cNvPr id="4" name="Tijdelijke aanduiding voor dianummer 3">
             <a:extLst>
               <a:ext uri="{FF2B5EF4-FFF2-40B4-BE49-F238E27FC236}">
-                <a16:creationId xmlns:a16="http://schemas.microsoft.com/office/drawing/2014/main" id="{25EF9E6C-B6B3-7B90-0D73-DAA470A222F6}"/>
+                <a16:creationId xmlns:a16="http://schemas.microsoft.com/office/drawing/2014/main" id="{C9E4B0DC-9E9A-589C-0F49-7E62AD83B3D9}"/>
               </a:ext>
             </a:extLst>
           </p:cNvPr>
@@ -9811,6 +9817,398 @@
           <p:cNvPr id="5" name="Titel 4">
             <a:extLst>
               <a:ext uri="{FF2B5EF4-FFF2-40B4-BE49-F238E27FC236}">
+                <a16:creationId xmlns:a16="http://schemas.microsoft.com/office/drawing/2014/main" id="{C59A1A93-DA15-6CCA-3099-EA5C0AE16C6B}"/>
+              </a:ext>
+            </a:extLst>
+          </p:cNvPr>
+          <p:cNvSpPr>
+            <a:spLocks noGrp="1"/>
+          </p:cNvSpPr>
+          <p:nvPr>
+            <p:ph type="title"/>
+          </p:nvPr>
+        </p:nvSpPr>
+        <p:spPr/>
+        <p:txBody>
+          <a:bodyPr>
+            <a:normAutofit fontScale="90000"/>
+          </a:bodyPr>
+          <a:lstStyle/>
+          <a:p>
+            <a:r>
+              <a:rPr lang="nl-NL" b="1" dirty="0"/>
+              <a:t>Huidig onderzoek: </a:t>
+            </a:r>
+            <a:r>
+              <a:rPr lang="nl-NL" dirty="0"/>
+              <a:t>POS-tag </a:t>
+            </a:r>
+            <a:r>
+              <a:rPr lang="nl-NL" dirty="0" err="1"/>
+              <a:t>Constraint</a:t>
+            </a:r>
+            <a:r>
+              <a:rPr lang="nl-NL" dirty="0"/>
+              <a:t> Toepassen</a:t>
+            </a:r>
+            <a:endParaRPr lang="en-US" dirty="0"/>
+          </a:p>
+        </p:txBody>
+      </p:sp>
+    </p:spTree>
+    <p:extLst>
+      <p:ext uri="{BB962C8B-B14F-4D97-AF65-F5344CB8AC3E}">
+        <p14:creationId xmlns:p14="http://schemas.microsoft.com/office/powerpoint/2010/main" val="1578699618"/>
+      </p:ext>
+    </p:extLst>
+  </p:cSld>
+  <p:clrMapOvr>
+    <a:masterClrMapping/>
+  </p:clrMapOvr>
+</p:sld>
+</file>
+
+<file path=ppt/slides/slide23.xml><?xml version="1.0" encoding="utf-8"?>
+<p:sld xmlns:a="http://schemas.openxmlformats.org/drawingml/2006/main" xmlns:r="http://schemas.openxmlformats.org/officeDocument/2006/relationships" xmlns:p="http://schemas.openxmlformats.org/presentationml/2006/main">
+  <p:cSld>
+    <p:spTree>
+      <p:nvGrpSpPr>
+        <p:cNvPr id="1" name=""/>
+        <p:cNvGrpSpPr/>
+        <p:nvPr/>
+      </p:nvGrpSpPr>
+      <p:grpSpPr>
+        <a:xfrm>
+          <a:off x="0" y="0"/>
+          <a:ext cx="0" cy="0"/>
+          <a:chOff x="0" y="0"/>
+          <a:chExt cx="0" cy="0"/>
+        </a:xfrm>
+      </p:grpSpPr>
+      <p:sp>
+        <p:nvSpPr>
+          <p:cNvPr id="2" name="Tijdelijke aanduiding voor inhoud 1">
+            <a:extLst>
+              <a:ext uri="{FF2B5EF4-FFF2-40B4-BE49-F238E27FC236}">
+                <a16:creationId xmlns:a16="http://schemas.microsoft.com/office/drawing/2014/main" id="{5D957F36-45E6-9225-91FC-50E3511DB37C}"/>
+              </a:ext>
+            </a:extLst>
+          </p:cNvPr>
+          <p:cNvSpPr>
+            <a:spLocks noGrp="1"/>
+          </p:cNvSpPr>
+          <p:nvPr>
+            <p:ph idx="1"/>
+          </p:nvPr>
+        </p:nvSpPr>
+        <p:spPr/>
+        <p:txBody>
+          <a:bodyPr/>
+          <a:lstStyle/>
+          <a:p>
+            <a:r>
+              <a:rPr lang="nl-NL" dirty="0"/>
+              <a:t># lijnen en paragrafen correct?</a:t>
+            </a:r>
+          </a:p>
+          <a:p>
+            <a:r>
+              <a:rPr lang="nl-NL" dirty="0"/>
+              <a:t># lettergrepen per lijn correct?</a:t>
+            </a:r>
+          </a:p>
+          <a:p>
+            <a:r>
+              <a:rPr lang="nl-NL" dirty="0"/>
+              <a:t>Correcte eindrijm?</a:t>
+            </a:r>
+          </a:p>
+          <a:p>
+            <a:r>
+              <a:rPr lang="nl-NL" dirty="0"/>
+              <a:t>Correcte POS-tag sequentie?</a:t>
+            </a:r>
+          </a:p>
+          <a:p>
+            <a:r>
+              <a:rPr lang="nl-NL" dirty="0" err="1"/>
+              <a:t>Perplexity</a:t>
+            </a:r>
+            <a:endParaRPr lang="nl-NL" dirty="0"/>
+          </a:p>
+          <a:p>
+            <a:r>
+              <a:rPr lang="nl-NL" dirty="0"/>
+              <a:t>Overlap met originele song</a:t>
+            </a:r>
+          </a:p>
+          <a:p>
+            <a:r>
+              <a:rPr lang="nl-NL" dirty="0" err="1"/>
+              <a:t>Repetition</a:t>
+            </a:r>
+            <a:r>
+              <a:rPr lang="nl-NL" dirty="0"/>
+              <a:t> score</a:t>
+            </a:r>
+          </a:p>
+        </p:txBody>
+      </p:sp>
+      <p:sp>
+        <p:nvSpPr>
+          <p:cNvPr id="3" name="Tijdelijke aanduiding voor voettekst 2">
+            <a:extLst>
+              <a:ext uri="{FF2B5EF4-FFF2-40B4-BE49-F238E27FC236}">
+                <a16:creationId xmlns:a16="http://schemas.microsoft.com/office/drawing/2014/main" id="{622AE155-BA44-632D-7929-B935A78B28FE}"/>
+              </a:ext>
+            </a:extLst>
+          </p:cNvPr>
+          <p:cNvSpPr>
+            <a:spLocks noGrp="1"/>
+          </p:cNvSpPr>
+          <p:nvPr>
+            <p:ph type="ftr" sz="quarter" idx="11"/>
+          </p:nvPr>
+        </p:nvSpPr>
+        <p:spPr/>
+        <p:txBody>
+          <a:bodyPr/>
+          <a:lstStyle/>
+          <a:p>
+            <a:r>
+              <a:rPr lang="nl-NL"/>
+              <a:t>Computerwetenschappen - DTAI</a:t>
+            </a:r>
+            <a:endParaRPr lang="nl-NL" dirty="0"/>
+          </a:p>
+        </p:txBody>
+      </p:sp>
+      <p:sp>
+        <p:nvSpPr>
+          <p:cNvPr id="4" name="Tijdelijke aanduiding voor dianummer 3">
+            <a:extLst>
+              <a:ext uri="{FF2B5EF4-FFF2-40B4-BE49-F238E27FC236}">
+                <a16:creationId xmlns:a16="http://schemas.microsoft.com/office/drawing/2014/main" id="{C9E4B0DC-9E9A-589C-0F49-7E62AD83B3D9}"/>
+              </a:ext>
+            </a:extLst>
+          </p:cNvPr>
+          <p:cNvSpPr>
+            <a:spLocks noGrp="1"/>
+          </p:cNvSpPr>
+          <p:nvPr>
+            <p:ph type="sldNum" sz="quarter" idx="12"/>
+          </p:nvPr>
+        </p:nvSpPr>
+        <p:spPr/>
+        <p:txBody>
+          <a:bodyPr/>
+          <a:lstStyle/>
+          <a:p>
+            <a:fld id="{0A297500-7527-634B-90F4-69D0994C32B4}" type="slidenum">
+              <a:rPr lang="nl-NL" smtClean="0"/>
+              <a:t>23</a:t>
+            </a:fld>
+            <a:endParaRPr lang="nl-NL" dirty="0"/>
+          </a:p>
+        </p:txBody>
+      </p:sp>
+      <p:sp>
+        <p:nvSpPr>
+          <p:cNvPr id="5" name="Titel 4">
+            <a:extLst>
+              <a:ext uri="{FF2B5EF4-FFF2-40B4-BE49-F238E27FC236}">
+                <a16:creationId xmlns:a16="http://schemas.microsoft.com/office/drawing/2014/main" id="{C59A1A93-DA15-6CCA-3099-EA5C0AE16C6B}"/>
+              </a:ext>
+            </a:extLst>
+          </p:cNvPr>
+          <p:cNvSpPr>
+            <a:spLocks noGrp="1"/>
+          </p:cNvSpPr>
+          <p:nvPr>
+            <p:ph type="title"/>
+          </p:nvPr>
+        </p:nvSpPr>
+        <p:spPr/>
+        <p:txBody>
+          <a:bodyPr>
+            <a:normAutofit/>
+          </a:bodyPr>
+          <a:lstStyle/>
+          <a:p>
+            <a:r>
+              <a:rPr lang="nl-NL" b="1" dirty="0"/>
+              <a:t>Huidig onderzoek: </a:t>
+            </a:r>
+            <a:r>
+              <a:rPr lang="nl-NL" dirty="0"/>
+              <a:t>Evaluatie</a:t>
+            </a:r>
+            <a:endParaRPr lang="en-US" dirty="0"/>
+          </a:p>
+        </p:txBody>
+      </p:sp>
+    </p:spTree>
+    <p:extLst>
+      <p:ext uri="{BB962C8B-B14F-4D97-AF65-F5344CB8AC3E}">
+        <p14:creationId xmlns:p14="http://schemas.microsoft.com/office/powerpoint/2010/main" val="1991926361"/>
+      </p:ext>
+    </p:extLst>
+  </p:cSld>
+  <p:clrMapOvr>
+    <a:masterClrMapping/>
+  </p:clrMapOvr>
+</p:sld>
+</file>
+
+<file path=ppt/slides/slide24.xml><?xml version="1.0" encoding="utf-8"?>
+<p:sld xmlns:a="http://schemas.openxmlformats.org/drawingml/2006/main" xmlns:r="http://schemas.openxmlformats.org/officeDocument/2006/relationships" xmlns:p="http://schemas.openxmlformats.org/presentationml/2006/main">
+  <p:cSld>
+    <p:spTree>
+      <p:nvGrpSpPr>
+        <p:cNvPr id="1" name=""/>
+        <p:cNvGrpSpPr/>
+        <p:nvPr/>
+      </p:nvGrpSpPr>
+      <p:grpSpPr>
+        <a:xfrm>
+          <a:off x="0" y="0"/>
+          <a:ext cx="0" cy="0"/>
+          <a:chOff x="0" y="0"/>
+          <a:chExt cx="0" cy="0"/>
+        </a:xfrm>
+      </p:grpSpPr>
+      <p:sp>
+        <p:nvSpPr>
+          <p:cNvPr id="2" name="Tijdelijke aanduiding voor inhoud 1">
+            <a:extLst>
+              <a:ext uri="{FF2B5EF4-FFF2-40B4-BE49-F238E27FC236}">
+                <a16:creationId xmlns:a16="http://schemas.microsoft.com/office/drawing/2014/main" id="{C2DD4878-C86C-AD15-837A-E2BE6234C6E7}"/>
+              </a:ext>
+            </a:extLst>
+          </p:cNvPr>
+          <p:cNvSpPr>
+            <a:spLocks noGrp="1"/>
+          </p:cNvSpPr>
+          <p:nvPr>
+            <p:ph idx="1"/>
+          </p:nvPr>
+        </p:nvSpPr>
+        <p:spPr/>
+        <p:txBody>
+          <a:bodyPr/>
+          <a:lstStyle/>
+          <a:p>
+            <a:r>
+              <a:rPr lang="nl-NL" dirty="0"/>
+              <a:t>Fine tunen van de hyperparameters</a:t>
+            </a:r>
+          </a:p>
+          <a:p>
+            <a:r>
+              <a:rPr lang="nl-NL" dirty="0"/>
+              <a:t>Optimaliseren van algoritme </a:t>
+            </a:r>
+          </a:p>
+          <a:p>
+            <a:pPr lvl="1"/>
+            <a:r>
+              <a:rPr lang="nl-NL" dirty="0"/>
+              <a:t>Voor betere rijm resultaten te bereiken </a:t>
+            </a:r>
+            <a:r>
+              <a:rPr lang="nl-NL" dirty="0">
+                <a:sym typeface="Wingdings" pitchFamily="2" charset="2"/>
+              </a:rPr>
+              <a:t> bij slecht resultaat lijn opnieuw doen</a:t>
+            </a:r>
+          </a:p>
+          <a:p>
+            <a:pPr lvl="1"/>
+            <a:r>
+              <a:rPr lang="nl-NL" dirty="0">
+                <a:sym typeface="Wingdings" pitchFamily="2" charset="2"/>
+              </a:rPr>
+              <a:t>POS-tag betere manier zoeken om tokens te boosten</a:t>
+            </a:r>
+            <a:endParaRPr lang="nl-NL" dirty="0"/>
+          </a:p>
+          <a:p>
+            <a:r>
+              <a:rPr lang="nl-NL" dirty="0"/>
+              <a:t>De verschillende modellen op de techniek vergelijken</a:t>
+            </a:r>
+          </a:p>
+          <a:p>
+            <a:r>
+              <a:rPr lang="nl-NL" dirty="0"/>
+              <a:t>Een menselijke survey doen</a:t>
+            </a:r>
+          </a:p>
+        </p:txBody>
+      </p:sp>
+      <p:sp>
+        <p:nvSpPr>
+          <p:cNvPr id="3" name="Tijdelijke aanduiding voor voettekst 2">
+            <a:extLst>
+              <a:ext uri="{FF2B5EF4-FFF2-40B4-BE49-F238E27FC236}">
+                <a16:creationId xmlns:a16="http://schemas.microsoft.com/office/drawing/2014/main" id="{2218C1C5-F8E7-79F3-BE36-B28578849354}"/>
+              </a:ext>
+            </a:extLst>
+          </p:cNvPr>
+          <p:cNvSpPr>
+            <a:spLocks noGrp="1"/>
+          </p:cNvSpPr>
+          <p:nvPr>
+            <p:ph type="ftr" sz="quarter" idx="11"/>
+          </p:nvPr>
+        </p:nvSpPr>
+        <p:spPr/>
+        <p:txBody>
+          <a:bodyPr/>
+          <a:lstStyle/>
+          <a:p>
+            <a:r>
+              <a:rPr lang="nl-NL"/>
+              <a:t>Computerwetenschappen - DTAI</a:t>
+            </a:r>
+            <a:endParaRPr lang="nl-NL" dirty="0"/>
+          </a:p>
+        </p:txBody>
+      </p:sp>
+      <p:sp>
+        <p:nvSpPr>
+          <p:cNvPr id="4" name="Tijdelijke aanduiding voor dianummer 3">
+            <a:extLst>
+              <a:ext uri="{FF2B5EF4-FFF2-40B4-BE49-F238E27FC236}">
+                <a16:creationId xmlns:a16="http://schemas.microsoft.com/office/drawing/2014/main" id="{25EF9E6C-B6B3-7B90-0D73-DAA470A222F6}"/>
+              </a:ext>
+            </a:extLst>
+          </p:cNvPr>
+          <p:cNvSpPr>
+            <a:spLocks noGrp="1"/>
+          </p:cNvSpPr>
+          <p:nvPr>
+            <p:ph type="sldNum" sz="quarter" idx="12"/>
+          </p:nvPr>
+        </p:nvSpPr>
+        <p:spPr/>
+        <p:txBody>
+          <a:bodyPr/>
+          <a:lstStyle/>
+          <a:p>
+            <a:fld id="{0A297500-7527-634B-90F4-69D0994C32B4}" type="slidenum">
+              <a:rPr lang="nl-NL" smtClean="0"/>
+              <a:t>24</a:t>
+            </a:fld>
+            <a:endParaRPr lang="nl-NL" dirty="0"/>
+          </a:p>
+        </p:txBody>
+      </p:sp>
+      <p:sp>
+        <p:nvSpPr>
+          <p:cNvPr id="5" name="Titel 4">
+            <a:extLst>
+              <a:ext uri="{FF2B5EF4-FFF2-40B4-BE49-F238E27FC236}">
                 <a16:creationId xmlns:a16="http://schemas.microsoft.com/office/drawing/2014/main" id="{FAD92256-FD76-E108-320D-43A0CEC3B47F}"/>
               </a:ext>
             </a:extLst>
@@ -9831,15 +10229,7 @@
           <a:p>
             <a:r>
               <a:rPr lang="nl-NL" b="1" dirty="0"/>
-              <a:t>Verder onderzoek: </a:t>
-            </a:r>
-            <a:r>
-              <a:rPr lang="nl-NL" dirty="0"/>
-              <a:t>Nieuwe </a:t>
-            </a:r>
-            <a:r>
-              <a:rPr lang="nl-NL" dirty="0" err="1"/>
-              <a:t>constraints</a:t>
+              <a:t>Verder onderzoek</a:t>
             </a:r>
             <a:endParaRPr lang="en-US" dirty="0"/>
           </a:p>
@@ -9858,7 +10248,7 @@
 </p:sld>
 </file>
 
-<file path=ppt/slides/slide23.xml><?xml version="1.0" encoding="utf-8"?>
+<file path=ppt/slides/slide25.xml><?xml version="1.0" encoding="utf-8"?>
 <p:sld xmlns:a="http://schemas.openxmlformats.org/drawingml/2006/main" xmlns:r="http://schemas.openxmlformats.org/officeDocument/2006/relationships" xmlns:p="http://schemas.openxmlformats.org/presentationml/2006/main">
   <p:cSld>
     <p:spTree>
@@ -9926,7 +10316,7 @@
           <a:p>
             <a:fld id="{0A297500-7527-634B-90F4-69D0994C32B4}" type="slidenum">
               <a:rPr lang="nl-NL" smtClean="0"/>
-              <a:t>23</a:t>
+              <a:t>25</a:t>
             </a:fld>
             <a:endParaRPr lang="nl-NL"/>
           </a:p>
@@ -9951,153 +10341,9 @@
         <p:spPr/>
         <p:txBody>
           <a:bodyPr>
-            <a:normAutofit fontScale="92500" lnSpcReduction="10000"/>
+            <a:normAutofit/>
           </a:bodyPr>
           <a:lstStyle/>
-          <a:p>
-            <a:r>
-              <a:rPr lang="nl-BE" sz="1800" b="1" dirty="0"/>
-              <a:t>January:</a:t>
-            </a:r>
-            <a:endParaRPr lang="nl-BE" sz="1800" dirty="0"/>
-          </a:p>
-          <a:p>
-            <a:pPr lvl="1">
-              <a:buFont typeface="Arial" panose="020B0604020202020204" pitchFamily="34" charset="0"/>
-              <a:buChar char="•"/>
-            </a:pPr>
-            <a:r>
-              <a:rPr lang="nl-BE" sz="1800" dirty="0"/>
-              <a:t>Introduction + Literature Review written</a:t>
-            </a:r>
-          </a:p>
-          <a:p>
-            <a:pPr lvl="1">
-              <a:buFont typeface="Arial" panose="020B0604020202020204" pitchFamily="34" charset="0"/>
-              <a:buChar char="•"/>
-            </a:pPr>
-            <a:r>
-              <a:rPr lang="nl-BE" sz="1800" dirty="0"/>
-              <a:t>Test the </a:t>
-            </a:r>
-            <a:r>
-              <a:rPr lang="nl-BE" sz="1800" b="1" dirty="0"/>
-              <a:t>different Open Source models</a:t>
-            </a:r>
-            <a:r>
-              <a:rPr lang="nl-BE" sz="1800" dirty="0"/>
-              <a:t> (also chat vs non-chat verison)</a:t>
-            </a:r>
-          </a:p>
-          <a:p>
-            <a:pPr lvl="1">
-              <a:buFont typeface="Arial" panose="020B0604020202020204" pitchFamily="34" charset="0"/>
-              <a:buChar char="•"/>
-            </a:pPr>
-            <a:r>
-              <a:rPr lang="nl-BE" sz="1800" dirty="0"/>
-              <a:t>Look into </a:t>
-            </a:r>
-            <a:r>
-              <a:rPr lang="nl-BE" sz="1800" b="1" dirty="0"/>
-              <a:t>mathematical sides </a:t>
-            </a:r>
-            <a:r>
-              <a:rPr lang="nl-BE" sz="1800" dirty="0"/>
-              <a:t>of the constraints</a:t>
-            </a:r>
-          </a:p>
-          <a:p>
-            <a:pPr lvl="1">
-              <a:buFont typeface="Arial" panose="020B0604020202020204" pitchFamily="34" charset="0"/>
-              <a:buChar char="•"/>
-            </a:pPr>
-            <a:r>
-              <a:rPr lang="nl-BE" sz="1800" dirty="0"/>
-              <a:t>Improve </a:t>
-            </a:r>
-            <a:r>
-              <a:rPr lang="nl-BE" sz="1800" b="1" dirty="0"/>
-              <a:t>syllable constraint</a:t>
-            </a:r>
-          </a:p>
-          <a:p>
-            <a:pPr lvl="1">
-              <a:buFont typeface="Arial" panose="020B0604020202020204" pitchFamily="34" charset="0"/>
-              <a:buChar char="•"/>
-            </a:pPr>
-            <a:r>
-              <a:rPr lang="nl-BE" sz="1800" dirty="0"/>
-              <a:t>Look into </a:t>
-            </a:r>
-            <a:r>
-              <a:rPr lang="nl-BE" sz="1800" b="1" dirty="0"/>
-              <a:t>Rhyming Constraint</a:t>
-            </a:r>
-          </a:p>
-          <a:p>
-            <a:r>
-              <a:rPr lang="nl-BE" sz="1800" b="1" dirty="0"/>
-              <a:t>February:</a:t>
-            </a:r>
-            <a:endParaRPr lang="nl-BE" sz="1800" dirty="0"/>
-          </a:p>
-          <a:p>
-            <a:pPr lvl="1">
-              <a:buFont typeface="Arial" panose="020B0604020202020204" pitchFamily="34" charset="0"/>
-              <a:buChar char="•"/>
-            </a:pPr>
-            <a:r>
-              <a:rPr lang="nl-BE" sz="1800" dirty="0"/>
-              <a:t>Finish Rhyming Constraint</a:t>
-            </a:r>
-          </a:p>
-          <a:p>
-            <a:pPr lvl="1">
-              <a:buFont typeface="Arial" panose="020B0604020202020204" pitchFamily="34" charset="0"/>
-              <a:buChar char="•"/>
-            </a:pPr>
-            <a:r>
-              <a:rPr lang="nl-BE" sz="1800" dirty="0"/>
-              <a:t>Enforce </a:t>
-            </a:r>
-            <a:r>
-              <a:rPr lang="nl-BE" sz="1800" b="1" dirty="0"/>
-              <a:t>POS-tag</a:t>
-            </a:r>
-          </a:p>
-          <a:p>
-            <a:pPr lvl="1">
-              <a:buFont typeface="Arial" panose="020B0604020202020204" pitchFamily="34" charset="0"/>
-              <a:buChar char="•"/>
-            </a:pPr>
-            <a:r>
-              <a:rPr lang="nl-BE" sz="1800" dirty="0"/>
-              <a:t>Start preparing </a:t>
-            </a:r>
-            <a:r>
-              <a:rPr lang="nl-BE" sz="1800" b="1" dirty="0"/>
-              <a:t>human survey </a:t>
-            </a:r>
-            <a:r>
-              <a:rPr lang="nl-BE" sz="1800" dirty="0"/>
-              <a:t>to test the generated parodies from the different models</a:t>
-            </a:r>
-          </a:p>
-          <a:p>
-            <a:pPr lvl="1">
-              <a:buFont typeface="Arial" panose="020B0604020202020204" pitchFamily="34" charset="0"/>
-              <a:buChar char="•"/>
-            </a:pPr>
-            <a:r>
-              <a:rPr lang="nl-BE" sz="1800" b="1" dirty="0"/>
-              <a:t>Train</a:t>
-            </a:r>
-            <a:r>
-              <a:rPr lang="nl-BE" sz="1800" dirty="0"/>
-              <a:t> some of the best models with lyrics, parodies and humor text</a:t>
-            </a:r>
-          </a:p>
           <a:p>
             <a:pPr lvl="1"/>
             <a:endParaRPr lang="nl-NL" sz="1800" dirty="0"/>
@@ -10124,16 +10370,41 @@
             <p:ph sz="quarter" idx="13"/>
           </p:nvPr>
         </p:nvSpPr>
-        <p:spPr/>
+        <p:spPr>
+          <a:xfrm>
+            <a:off x="576000" y="1656000"/>
+            <a:ext cx="11041200" cy="4464000"/>
+          </a:xfrm>
+        </p:spPr>
         <p:txBody>
           <a:bodyPr>
-            <a:normAutofit fontScale="92500" lnSpcReduction="20000"/>
+            <a:normAutofit/>
           </a:bodyPr>
           <a:lstStyle/>
           <a:p>
             <a:r>
               <a:rPr lang="nl-BE" sz="1800" b="1" dirty="0"/>
               <a:t>March:</a:t>
+            </a:r>
+          </a:p>
+          <a:p>
+            <a:pPr lvl="1"/>
+            <a:r>
+              <a:rPr lang="nl-BE" sz="1800" dirty="0"/>
+              <a:t>Fine tune hyperparameters </a:t>
+            </a:r>
+          </a:p>
+          <a:p>
+            <a:pPr lvl="1"/>
+            <a:r>
+              <a:rPr lang="nl-BE" sz="1800" dirty="0"/>
+              <a:t>Evaluate different models</a:t>
+            </a:r>
+          </a:p>
+          <a:p>
+            <a:r>
+              <a:rPr lang="nl-BE" sz="1800" b="1" dirty="0"/>
+              <a:t>April:</a:t>
             </a:r>
             <a:endParaRPr lang="nl-BE" sz="1800" dirty="0"/>
           </a:p>
@@ -10144,15 +10415,7 @@
             </a:pPr>
             <a:r>
               <a:rPr lang="nl-BE" sz="1800" dirty="0"/>
-              <a:t>Create </a:t>
-            </a:r>
-            <a:r>
-              <a:rPr lang="nl-BE" sz="1800" b="1" dirty="0"/>
-              <a:t>stream-lined algorithm </a:t>
-            </a:r>
-            <a:r>
-              <a:rPr lang="nl-BE" sz="1800" dirty="0"/>
-              <a:t>and create interface to be able to more easily use it</a:t>
+              <a:t>Launch human survey</a:t>
             </a:r>
           </a:p>
           <a:p>
@@ -10162,64 +10425,7 @@
             </a:pPr>
             <a:r>
               <a:rPr lang="nl-BE" sz="1800" dirty="0"/>
-              <a:t>Finish any last experiments that still need to be done</a:t>
-            </a:r>
-          </a:p>
-          <a:p>
-            <a:pPr lvl="1">
-              <a:buFont typeface="Arial" panose="020B0604020202020204" pitchFamily="34" charset="0"/>
-              <a:buChar char="•"/>
-            </a:pPr>
-            <a:r>
-              <a:rPr lang="nl-BE" sz="1800" dirty="0"/>
-              <a:t>Finish and launch survey</a:t>
-            </a:r>
-          </a:p>
-          <a:p>
-            <a:pPr lvl="1">
-              <a:buFont typeface="Arial" panose="020B0604020202020204" pitchFamily="34" charset="0"/>
-              <a:buChar char="•"/>
-            </a:pPr>
-            <a:r>
-              <a:rPr lang="nl-BE" sz="1800" dirty="0"/>
-              <a:t>Prepare Third and final intermediate presentation</a:t>
-            </a:r>
-          </a:p>
-          <a:p>
-            <a:r>
-              <a:rPr lang="nl-BE" sz="1800" b="1" dirty="0"/>
-              <a:t>April:</a:t>
-            </a:r>
-            <a:endParaRPr lang="nl-BE" sz="1800" dirty="0"/>
-          </a:p>
-          <a:p>
-            <a:pPr lvl="1">
-              <a:buFont typeface="Arial" panose="020B0604020202020204" pitchFamily="34" charset="0"/>
-              <a:buChar char="•"/>
-            </a:pPr>
-            <a:r>
-              <a:rPr lang="nl-BE" sz="1800" dirty="0"/>
-              <a:t>Evaluate and process results from survey</a:t>
-            </a:r>
-          </a:p>
-          <a:p>
-            <a:pPr lvl="1">
-              <a:buFont typeface="Arial" panose="020B0604020202020204" pitchFamily="34" charset="0"/>
-              <a:buChar char="•"/>
-            </a:pPr>
-            <a:r>
-              <a:rPr lang="nl-BE" sz="1800" dirty="0"/>
-              <a:t>Finish last experiments</a:t>
-            </a:r>
-          </a:p>
-          <a:p>
-            <a:pPr lvl="1">
-              <a:buFont typeface="Arial" panose="020B0604020202020204" pitchFamily="34" charset="0"/>
-              <a:buChar char="•"/>
-            </a:pPr>
-            <a:r>
-              <a:rPr lang="nl-BE" sz="1800" dirty="0"/>
-              <a:t>Complete final algorithm and clean up code</a:t>
+              <a:t>Optimize algorithm and clean up code</a:t>
             </a:r>
           </a:p>
           <a:p>
@@ -10311,7 +10517,7 @@
 </p:sld>
 </file>
 
-<file path=ppt/slides/slide24.xml><?xml version="1.0" encoding="utf-8"?>
+<file path=ppt/slides/slide26.xml><?xml version="1.0" encoding="utf-8"?>
 <p:sld xmlns:a="http://schemas.openxmlformats.org/drawingml/2006/main" xmlns:r="http://schemas.openxmlformats.org/officeDocument/2006/relationships" xmlns:p="http://schemas.openxmlformats.org/presentationml/2006/main">
   <p:cSld>
     <p:spTree>
@@ -10461,7 +10667,7 @@
           <a:p>
             <a:fld id="{0A297500-7527-634B-90F4-69D0994C32B4}" type="slidenum">
               <a:rPr lang="nl-NL" smtClean="0"/>
-              <a:t>24</a:t>
+              <a:t>26</a:t>
             </a:fld>
             <a:endParaRPr lang="nl-NL" dirty="0"/>
           </a:p>

--- a/Presentations/Third Intermediate Presentation/Presentation.pptx
+++ b/Presentations/Third Intermediate Presentation/Presentation.pptx
@@ -6,10 +6,10 @@
     <p:sldMasterId id="2147483694" r:id="rId2"/>
   </p:sldMasterIdLst>
   <p:notesMasterIdLst>
-    <p:notesMasterId r:id="rId29"/>
+    <p:notesMasterId r:id="rId28"/>
   </p:notesMasterIdLst>
   <p:handoutMasterIdLst>
-    <p:handoutMasterId r:id="rId30"/>
+    <p:handoutMasterId r:id="rId29"/>
   </p:handoutMasterIdLst>
   <p:sldIdLst>
     <p:sldId id="261" r:id="rId3"/>
@@ -37,7 +37,6 @@
     <p:sldId id="288" r:id="rId25"/>
     <p:sldId id="278" r:id="rId26"/>
     <p:sldId id="265" r:id="rId27"/>
-    <p:sldId id="279" r:id="rId28"/>
   </p:sldIdLst>
   <p:sldSz cx="12192000" cy="6858000"/>
   <p:notesSz cx="6858000" cy="9144000"/>
@@ -10141,7 +10140,7 @@
           <a:p>
             <a:r>
               <a:rPr lang="nl-NL" dirty="0"/>
-              <a:t>Een menselijke survey doen</a:t>
+              <a:t>Een menselijke enquête doen</a:t>
             </a:r>
           </a:p>
         </p:txBody>
@@ -10508,203 +10507,6 @@
     <p:extLst>
       <p:ext uri="{BB962C8B-B14F-4D97-AF65-F5344CB8AC3E}">
         <p14:creationId xmlns:p14="http://schemas.microsoft.com/office/powerpoint/2010/main" val="1808906806"/>
-      </p:ext>
-    </p:extLst>
-  </p:cSld>
-  <p:clrMapOvr>
-    <a:masterClrMapping/>
-  </p:clrMapOvr>
-</p:sld>
-</file>
-
-<file path=ppt/slides/slide26.xml><?xml version="1.0" encoding="utf-8"?>
-<p:sld xmlns:a="http://schemas.openxmlformats.org/drawingml/2006/main" xmlns:r="http://schemas.openxmlformats.org/officeDocument/2006/relationships" xmlns:p="http://schemas.openxmlformats.org/presentationml/2006/main">
-  <p:cSld>
-    <p:spTree>
-      <p:nvGrpSpPr>
-        <p:cNvPr id="1" name=""/>
-        <p:cNvGrpSpPr/>
-        <p:nvPr/>
-      </p:nvGrpSpPr>
-      <p:grpSpPr>
-        <a:xfrm>
-          <a:off x="0" y="0"/>
-          <a:ext cx="0" cy="0"/>
-          <a:chOff x="0" y="0"/>
-          <a:chExt cx="0" cy="0"/>
-        </a:xfrm>
-      </p:grpSpPr>
-      <p:sp>
-        <p:nvSpPr>
-          <p:cNvPr id="2" name="Tijdelijke aanduiding voor inhoud 1">
-            <a:extLst>
-              <a:ext uri="{FF2B5EF4-FFF2-40B4-BE49-F238E27FC236}">
-                <a16:creationId xmlns:a16="http://schemas.microsoft.com/office/drawing/2014/main" id="{AAB3A07D-172A-E6AF-710E-95980CDBA191}"/>
-              </a:ext>
-            </a:extLst>
-          </p:cNvPr>
-          <p:cNvSpPr>
-            <a:spLocks noGrp="1"/>
-          </p:cNvSpPr>
-          <p:nvPr>
-            <p:ph idx="1"/>
-          </p:nvPr>
-        </p:nvSpPr>
-        <p:spPr/>
-        <p:txBody>
-          <a:bodyPr/>
-          <a:lstStyle/>
-          <a:p>
-            <a:r>
-              <a:rPr lang="nl-NL" dirty="0"/>
-              <a:t>Ongeveer 3 dagen per week met 8 uur per dag (13 weken)</a:t>
-            </a:r>
-          </a:p>
-          <a:p>
-            <a:pPr lvl="1"/>
-            <a:r>
-              <a:rPr lang="nl-NL" dirty="0">
-                <a:sym typeface="Wingdings" pitchFamily="2" charset="2"/>
-              </a:rPr>
-              <a:t>  ± 300 uur </a:t>
-            </a:r>
-          </a:p>
-          <a:p>
-            <a:pPr lvl="1"/>
-            <a:r>
-              <a:rPr lang="nl-NL" dirty="0">
-                <a:sym typeface="Wingdings" pitchFamily="2" charset="2"/>
-              </a:rPr>
-              <a:t>Veel opzoek werk gedaan, leren werken met NLP</a:t>
-            </a:r>
-          </a:p>
-          <a:p>
-            <a:pPr lvl="1"/>
-            <a:r>
-              <a:rPr lang="nl-NL" dirty="0">
-                <a:sym typeface="Wingdings" pitchFamily="2" charset="2"/>
-              </a:rPr>
-              <a:t>Niet altijd efficiënt  veel tijd verloren met grote modellen</a:t>
-            </a:r>
-          </a:p>
-          <a:p>
-            <a:pPr lvl="1"/>
-            <a:r>
-              <a:rPr lang="nl-NL" dirty="0">
-                <a:sym typeface="Wingdings" pitchFamily="2" charset="2"/>
-              </a:rPr>
-              <a:t>In januari nog veel tijd eraan werken</a:t>
-            </a:r>
-          </a:p>
-          <a:p>
-            <a:r>
-              <a:rPr lang="nl-NL" dirty="0">
-                <a:sym typeface="Wingdings" pitchFamily="2" charset="2"/>
-              </a:rPr>
-              <a:t>Ideaal punt: 17/20</a:t>
-            </a:r>
-          </a:p>
-          <a:p>
-            <a:pPr lvl="1"/>
-            <a:r>
-              <a:rPr lang="nl-NL" dirty="0">
-                <a:sym typeface="Wingdings" pitchFamily="2" charset="2"/>
-              </a:rPr>
-              <a:t>Extra inzet voor nodig</a:t>
-            </a:r>
-          </a:p>
-        </p:txBody>
-      </p:sp>
-      <p:sp>
-        <p:nvSpPr>
-          <p:cNvPr id="3" name="Tijdelijke aanduiding voor voettekst 2">
-            <a:extLst>
-              <a:ext uri="{FF2B5EF4-FFF2-40B4-BE49-F238E27FC236}">
-                <a16:creationId xmlns:a16="http://schemas.microsoft.com/office/drawing/2014/main" id="{9169F040-64D5-36D2-3ECE-EB8BF23F177C}"/>
-              </a:ext>
-            </a:extLst>
-          </p:cNvPr>
-          <p:cNvSpPr>
-            <a:spLocks noGrp="1"/>
-          </p:cNvSpPr>
-          <p:nvPr>
-            <p:ph type="ftr" sz="quarter" idx="11"/>
-          </p:nvPr>
-        </p:nvSpPr>
-        <p:spPr/>
-        <p:txBody>
-          <a:bodyPr/>
-          <a:lstStyle/>
-          <a:p>
-            <a:r>
-              <a:rPr lang="nl-NL"/>
-              <a:t>Computerwetenschappen - DTAI</a:t>
-            </a:r>
-            <a:endParaRPr lang="nl-NL" dirty="0"/>
-          </a:p>
-        </p:txBody>
-      </p:sp>
-      <p:sp>
-        <p:nvSpPr>
-          <p:cNvPr id="4" name="Tijdelijke aanduiding voor dianummer 3">
-            <a:extLst>
-              <a:ext uri="{FF2B5EF4-FFF2-40B4-BE49-F238E27FC236}">
-                <a16:creationId xmlns:a16="http://schemas.microsoft.com/office/drawing/2014/main" id="{5A6C9FB7-D0ED-901B-04FA-F1A7EAB705FF}"/>
-              </a:ext>
-            </a:extLst>
-          </p:cNvPr>
-          <p:cNvSpPr>
-            <a:spLocks noGrp="1"/>
-          </p:cNvSpPr>
-          <p:nvPr>
-            <p:ph type="sldNum" sz="quarter" idx="12"/>
-          </p:nvPr>
-        </p:nvSpPr>
-        <p:spPr/>
-        <p:txBody>
-          <a:bodyPr/>
-          <a:lstStyle/>
-          <a:p>
-            <a:fld id="{0A297500-7527-634B-90F4-69D0994C32B4}" type="slidenum">
-              <a:rPr lang="nl-NL" smtClean="0"/>
-              <a:t>26</a:t>
-            </a:fld>
-            <a:endParaRPr lang="nl-NL" dirty="0"/>
-          </a:p>
-        </p:txBody>
-      </p:sp>
-      <p:sp>
-        <p:nvSpPr>
-          <p:cNvPr id="5" name="Titel 4">
-            <a:extLst>
-              <a:ext uri="{FF2B5EF4-FFF2-40B4-BE49-F238E27FC236}">
-                <a16:creationId xmlns:a16="http://schemas.microsoft.com/office/drawing/2014/main" id="{881803BF-9888-55CB-A696-406A4E778E62}"/>
-              </a:ext>
-            </a:extLst>
-          </p:cNvPr>
-          <p:cNvSpPr>
-            <a:spLocks noGrp="1"/>
-          </p:cNvSpPr>
-          <p:nvPr>
-            <p:ph type="title"/>
-          </p:nvPr>
-        </p:nvSpPr>
-        <p:spPr/>
-        <p:txBody>
-          <a:bodyPr/>
-          <a:lstStyle/>
-          <a:p>
-            <a:r>
-              <a:rPr lang="nl-NL" dirty="0"/>
-              <a:t>Uren gewerkt &amp; verwacht punt</a:t>
-            </a:r>
-          </a:p>
-        </p:txBody>
-      </p:sp>
-    </p:spTree>
-    <p:extLst>
-      <p:ext uri="{BB962C8B-B14F-4D97-AF65-F5344CB8AC3E}">
-        <p14:creationId xmlns:p14="http://schemas.microsoft.com/office/powerpoint/2010/main" val="2292468818"/>
       </p:ext>
     </p:extLst>
   </p:cSld>

--- a/Presentations/Third Intermediate Presentation/Presentation.pptx
+++ b/Presentations/Third Intermediate Presentation/Presentation.pptx
@@ -10732,8 +10732,13 @@
             <a:pPr lvl="1"/>
             <a:r>
               <a:rPr lang="nl-BE" sz="1800" dirty="0"/>
-              <a:t>Evaluate different models</a:t>
-            </a:r>
+              <a:t>Evaluate </a:t>
+            </a:r>
+            <a:r>
+              <a:rPr lang="nl-BE" sz="1800"/>
+              <a:t>different models and approaches</a:t>
+            </a:r>
+            <a:endParaRPr lang="nl-BE" sz="1800" dirty="0"/>
           </a:p>
           <a:p>
             <a:r>

--- a/Presentations/Third Intermediate Presentation/Presentation.pptx
+++ b/Presentations/Third Intermediate Presentation/Presentation.pptx
@@ -6,10 +6,10 @@
     <p:sldMasterId id="2147483694" r:id="rId2"/>
   </p:sldMasterIdLst>
   <p:notesMasterIdLst>
-    <p:notesMasterId r:id="rId27"/>
+    <p:notesMasterId r:id="rId28"/>
   </p:notesMasterIdLst>
   <p:handoutMasterIdLst>
-    <p:handoutMasterId r:id="rId28"/>
+    <p:handoutMasterId r:id="rId29"/>
   </p:handoutMasterIdLst>
   <p:sldIdLst>
     <p:sldId id="261" r:id="rId3"/>
@@ -33,9 +33,10 @@
     <p:sldId id="284" r:id="rId21"/>
     <p:sldId id="285" r:id="rId22"/>
     <p:sldId id="287" r:id="rId23"/>
-    <p:sldId id="288" r:id="rId24"/>
-    <p:sldId id="278" r:id="rId25"/>
-    <p:sldId id="265" r:id="rId26"/>
+    <p:sldId id="289" r:id="rId24"/>
+    <p:sldId id="288" r:id="rId25"/>
+    <p:sldId id="278" r:id="rId26"/>
+    <p:sldId id="265" r:id="rId27"/>
   </p:sldIdLst>
   <p:sldSz cx="12192000" cy="6858000"/>
   <p:notesSz cx="6858000" cy="9144000"/>
@@ -5613,13 +5614,33 @@
             </a:r>
             <a:r>
               <a:rPr lang="nl-NL" dirty="0"/>
-              <a:t>: 57/59 lijnen gegenereerd </a:t>
+              <a:t>: </a:t>
+            </a:r>
+            <a:r>
+              <a:rPr lang="nl-NL" b="1" dirty="0"/>
+              <a:t>57/59</a:t>
+            </a:r>
+            <a:r>
+              <a:rPr lang="nl-NL" dirty="0"/>
+              <a:t> lijnen gegenereerd </a:t>
             </a:r>
             <a:r>
               <a:rPr lang="nl-NL" dirty="0">
                 <a:sym typeface="Wingdings" pitchFamily="2" charset="2"/>
               </a:rPr>
-              <a:t> 28/57 correct aantal lettergrepen (</a:t>
+              <a:t> </a:t>
+            </a:r>
+            <a:r>
+              <a:rPr lang="nl-NL" b="1" dirty="0">
+                <a:sym typeface="Wingdings" pitchFamily="2" charset="2"/>
+              </a:rPr>
+              <a:t>28/57</a:t>
+            </a:r>
+            <a:r>
+              <a:rPr lang="nl-NL" dirty="0">
+                <a:sym typeface="Wingdings" pitchFamily="2" charset="2"/>
+              </a:rPr>
+              <a:t> correct aantal lettergrepen (</a:t>
             </a:r>
             <a:r>
               <a:rPr lang="nl-NL" dirty="0" err="1">
@@ -5643,7 +5664,31 @@
               <a:rPr lang="nl-NL" dirty="0">
                 <a:sym typeface="Wingdings" pitchFamily="2" charset="2"/>
               </a:rPr>
-              <a:t>. 1.23), 8/12 correct rijm paren, 20/57 correct POS-tag sequenties (</a:t>
+              <a:t>. 1.23), </a:t>
+            </a:r>
+            <a:r>
+              <a:rPr lang="nl-NL" b="1" dirty="0">
+                <a:sym typeface="Wingdings" pitchFamily="2" charset="2"/>
+              </a:rPr>
+              <a:t>8/12</a:t>
+            </a:r>
+            <a:r>
+              <a:rPr lang="nl-NL" dirty="0">
+                <a:sym typeface="Wingdings" pitchFamily="2" charset="2"/>
+              </a:rPr>
+              <a:t> correct rijm paren, </a:t>
+            </a:r>
+            <a:r>
+              <a:rPr lang="nl-NL" b="1" dirty="0">
+                <a:sym typeface="Wingdings" pitchFamily="2" charset="2"/>
+              </a:rPr>
+              <a:t>20/57</a:t>
+            </a:r>
+            <a:r>
+              <a:rPr lang="nl-NL" dirty="0">
+                <a:sym typeface="Wingdings" pitchFamily="2" charset="2"/>
+              </a:rPr>
+              <a:t> correct POS-tag sequenties (</a:t>
             </a:r>
             <a:r>
               <a:rPr lang="nl-NL" dirty="0" err="1">
@@ -5670,7 +5715,19 @@
               <a:rPr lang="nl-NL" dirty="0">
                 <a:sym typeface="Wingdings" pitchFamily="2" charset="2"/>
               </a:rPr>
-              <a:t>: 59/59 lijnen gegenereerd  24/59 correct aantal lettergrepen (</a:t>
+              <a:t>: 59/59 lijnen gegenereerd  </a:t>
+            </a:r>
+            <a:r>
+              <a:rPr lang="nl-NL" b="1" dirty="0">
+                <a:sym typeface="Wingdings" pitchFamily="2" charset="2"/>
+              </a:rPr>
+              <a:t>24/59</a:t>
+            </a:r>
+            <a:r>
+              <a:rPr lang="nl-NL" dirty="0">
+                <a:sym typeface="Wingdings" pitchFamily="2" charset="2"/>
+              </a:rPr>
+              <a:t> correct aantal lettergrepen (</a:t>
             </a:r>
             <a:r>
               <a:rPr lang="nl-NL" dirty="0" err="1">
@@ -5694,7 +5751,31 @@
               <a:rPr lang="nl-NL" dirty="0">
                 <a:sym typeface="Wingdings" pitchFamily="2" charset="2"/>
               </a:rPr>
-              <a:t>. 1.67), 7/12 correct rijm paren, 22/59 correct POS-tag sequenties (</a:t>
+              <a:t>. 1.67), </a:t>
+            </a:r>
+            <a:r>
+              <a:rPr lang="nl-NL" b="1" dirty="0">
+                <a:sym typeface="Wingdings" pitchFamily="2" charset="2"/>
+              </a:rPr>
+              <a:t>7/12</a:t>
+            </a:r>
+            <a:r>
+              <a:rPr lang="nl-NL" dirty="0">
+                <a:sym typeface="Wingdings" pitchFamily="2" charset="2"/>
+              </a:rPr>
+              <a:t> correct rijm paren, </a:t>
+            </a:r>
+            <a:r>
+              <a:rPr lang="nl-NL" b="1" dirty="0">
+                <a:sym typeface="Wingdings" pitchFamily="2" charset="2"/>
+              </a:rPr>
+              <a:t>22/59</a:t>
+            </a:r>
+            <a:r>
+              <a:rPr lang="nl-NL" dirty="0">
+                <a:sym typeface="Wingdings" pitchFamily="2" charset="2"/>
+              </a:rPr>
+              <a:t> correct POS-tag sequenties (</a:t>
             </a:r>
             <a:r>
               <a:rPr lang="nl-NL" dirty="0" err="1">
@@ -5740,13 +5821,33 @@
             </a:r>
             <a:r>
               <a:rPr lang="nl-NL" dirty="0"/>
-              <a:t>: 49/59 lijnen gegenereerd </a:t>
+              <a:t>: </a:t>
+            </a:r>
+            <a:r>
+              <a:rPr lang="nl-NL" b="1" dirty="0"/>
+              <a:t>49/59</a:t>
+            </a:r>
+            <a:r>
+              <a:rPr lang="nl-NL" dirty="0"/>
+              <a:t> lijnen gegenereerd </a:t>
             </a:r>
             <a:r>
               <a:rPr lang="nl-NL" dirty="0">
                 <a:sym typeface="Wingdings" pitchFamily="2" charset="2"/>
               </a:rPr>
-              <a:t> 23/49 correct aantal lettergrepen (</a:t>
+              <a:t> </a:t>
+            </a:r>
+            <a:r>
+              <a:rPr lang="nl-NL" b="1" dirty="0">
+                <a:sym typeface="Wingdings" pitchFamily="2" charset="2"/>
+              </a:rPr>
+              <a:t>23/49</a:t>
+            </a:r>
+            <a:r>
+              <a:rPr lang="nl-NL" dirty="0">
+                <a:sym typeface="Wingdings" pitchFamily="2" charset="2"/>
+              </a:rPr>
+              <a:t> correct aantal lettergrepen (</a:t>
             </a:r>
             <a:r>
               <a:rPr lang="nl-NL" dirty="0" err="1">
@@ -5770,7 +5871,31 @@
               <a:rPr lang="nl-NL" dirty="0">
                 <a:sym typeface="Wingdings" pitchFamily="2" charset="2"/>
               </a:rPr>
-              <a:t>. 1.73), 8/10 correct rijm paren, 24/59 correct POS-tag sequenties (</a:t>
+              <a:t>. 1.73), </a:t>
+            </a:r>
+            <a:r>
+              <a:rPr lang="nl-NL" b="1" dirty="0">
+                <a:sym typeface="Wingdings" pitchFamily="2" charset="2"/>
+              </a:rPr>
+              <a:t>8/10</a:t>
+            </a:r>
+            <a:r>
+              <a:rPr lang="nl-NL" dirty="0">
+                <a:sym typeface="Wingdings" pitchFamily="2" charset="2"/>
+              </a:rPr>
+              <a:t> correct rijm paren, </a:t>
+            </a:r>
+            <a:r>
+              <a:rPr lang="nl-NL" b="1" dirty="0">
+                <a:sym typeface="Wingdings" pitchFamily="2" charset="2"/>
+              </a:rPr>
+              <a:t>24/59</a:t>
+            </a:r>
+            <a:r>
+              <a:rPr lang="nl-NL" dirty="0">
+                <a:sym typeface="Wingdings" pitchFamily="2" charset="2"/>
+              </a:rPr>
+              <a:t> correct POS-tag sequenties (</a:t>
             </a:r>
             <a:r>
               <a:rPr lang="nl-NL" dirty="0" err="1">
@@ -5797,7 +5922,31 @@
               <a:rPr lang="nl-NL" dirty="0">
                 <a:sym typeface="Wingdings" pitchFamily="2" charset="2"/>
               </a:rPr>
-              <a:t>: 56/59 lijnen gegenereerd  40/56 correct aantal lettergrepen (</a:t>
+              <a:t>: </a:t>
+            </a:r>
+            <a:r>
+              <a:rPr lang="nl-NL" b="1" dirty="0">
+                <a:sym typeface="Wingdings" pitchFamily="2" charset="2"/>
+              </a:rPr>
+              <a:t>56/59</a:t>
+            </a:r>
+            <a:r>
+              <a:rPr lang="nl-NL" dirty="0">
+                <a:sym typeface="Wingdings" pitchFamily="2" charset="2"/>
+              </a:rPr>
+              <a:t> lijnen gegenereerd  </a:t>
+            </a:r>
+            <a:r>
+              <a:rPr lang="nl-NL" b="1" dirty="0">
+                <a:sym typeface="Wingdings" pitchFamily="2" charset="2"/>
+              </a:rPr>
+              <a:t>40/56</a:t>
+            </a:r>
+            <a:r>
+              <a:rPr lang="nl-NL" dirty="0">
+                <a:sym typeface="Wingdings" pitchFamily="2" charset="2"/>
+              </a:rPr>
+              <a:t> correct aantal lettergrepen (</a:t>
             </a:r>
             <a:r>
               <a:rPr lang="nl-NL" dirty="0" err="1">
@@ -5821,7 +5970,31 @@
               <a:rPr lang="nl-NL" dirty="0">
                 <a:sym typeface="Wingdings" pitchFamily="2" charset="2"/>
               </a:rPr>
-              <a:t>. 0.78), 9/11 correct rijm paren, 38/56 correct POS-tag sequenties (</a:t>
+              <a:t>. 0.78), </a:t>
+            </a:r>
+            <a:r>
+              <a:rPr lang="nl-NL" b="1" dirty="0">
+                <a:sym typeface="Wingdings" pitchFamily="2" charset="2"/>
+              </a:rPr>
+              <a:t>9/11</a:t>
+            </a:r>
+            <a:r>
+              <a:rPr lang="nl-NL" dirty="0">
+                <a:sym typeface="Wingdings" pitchFamily="2" charset="2"/>
+              </a:rPr>
+              <a:t> correct rijm paren, </a:t>
+            </a:r>
+            <a:r>
+              <a:rPr lang="nl-NL" b="1" dirty="0">
+                <a:sym typeface="Wingdings" pitchFamily="2" charset="2"/>
+              </a:rPr>
+              <a:t>38/56</a:t>
+            </a:r>
+            <a:r>
+              <a:rPr lang="nl-NL" dirty="0">
+                <a:sym typeface="Wingdings" pitchFamily="2" charset="2"/>
+              </a:rPr>
+              <a:t> correct POS-tag sequenties (</a:t>
             </a:r>
             <a:r>
               <a:rPr lang="nl-NL" dirty="0" err="1">
@@ -6186,6 +6359,12 @@
             </a:r>
           </a:p>
           <a:p>
+            <a:r>
+              <a:rPr lang="nl-NL" dirty="0"/>
+              <a:t>Lijn per lijn VS in één keer</a:t>
+            </a:r>
+          </a:p>
+          <a:p>
             <a:pPr marL="914400" lvl="1" indent="-457200">
               <a:buFont typeface="+mj-lt"/>
               <a:buAutoNum type="arabicPeriod"/>
@@ -6219,10 +6398,9 @@
           <a:lstStyle/>
           <a:p>
             <a:r>
-              <a:rPr lang="nl-NL"/>
+              <a:rPr lang="nl-NL" dirty="0"/>
               <a:t>Computerwetenschappen - DTAI</a:t>
             </a:r>
-            <a:endParaRPr lang="nl-NL" dirty="0"/>
           </a:p>
         </p:txBody>
       </p:sp>
@@ -8959,7 +9137,7 @@
             </a:pPr>
             <a:r>
               <a:rPr lang="nl-NL" dirty="0"/>
-              <a:t>Wanneer mogelijk worden de 10 beste rijm woorden hun score </a:t>
+              <a:t>Wanneer mogelijk worden de k-beste rijm woorden hun score </a:t>
             </a:r>
             <a:r>
               <a:rPr lang="nl-NL" dirty="0" err="1"/>
@@ -10243,49 +10421,94 @@
           <a:p>
             <a:r>
               <a:rPr lang="nl-NL" dirty="0"/>
-              <a:t># lijnen en paragrafen correct?</a:t>
+              <a:t>Paar foutjes in de code</a:t>
             </a:r>
           </a:p>
           <a:p>
             <a:r>
               <a:rPr lang="nl-NL" dirty="0"/>
-              <a:t># lettergrepen per lijn correct?</a:t>
+              <a:t>Gebruikt veel geheugen, zeker met grotere modellen</a:t>
             </a:r>
           </a:p>
           <a:p>
             <a:r>
               <a:rPr lang="nl-NL" dirty="0"/>
-              <a:t>Correcte eindrijm?</a:t>
+              <a:t>Zinnen lijken soms teveel afgekapt </a:t>
+            </a:r>
+            <a:r>
+              <a:rPr lang="nl-NL" dirty="0">
+                <a:sym typeface="Wingdings" pitchFamily="2" charset="2"/>
+              </a:rPr>
+              <a:t> proberen oplossen met prompt engineering</a:t>
             </a:r>
           </a:p>
           <a:p>
-            <a:r>
-              <a:rPr lang="nl-NL" dirty="0"/>
-              <a:t>Correcte POS-tag sequentie?</a:t>
+            <a:pPr lvl="1"/>
+            <a:r>
+              <a:rPr lang="nl-NL" i="1" dirty="0" err="1">
+                <a:sym typeface="Wingdings" pitchFamily="2" charset="2"/>
+              </a:rPr>
+              <a:t>when</a:t>
+            </a:r>
+            <a:r>
+              <a:rPr lang="nl-NL" i="1" dirty="0">
+                <a:sym typeface="Wingdings" pitchFamily="2" charset="2"/>
+              </a:rPr>
+              <a:t> I </a:t>
+            </a:r>
+            <a:r>
+              <a:rPr lang="nl-NL" i="1" dirty="0" err="1">
+                <a:sym typeface="Wingdings" pitchFamily="2" charset="2"/>
+              </a:rPr>
+              <a:t>told</a:t>
+            </a:r>
+            <a:r>
+              <a:rPr lang="nl-NL" i="1" dirty="0">
+                <a:sym typeface="Wingdings" pitchFamily="2" charset="2"/>
+              </a:rPr>
+              <a:t> </a:t>
+            </a:r>
+            <a:r>
+              <a:rPr lang="nl-NL" i="1" dirty="0" err="1">
+                <a:sym typeface="Wingdings" pitchFamily="2" charset="2"/>
+              </a:rPr>
+              <a:t>you</a:t>
+            </a:r>
+            <a:r>
+              <a:rPr lang="nl-NL" i="1" dirty="0">
+                <a:sym typeface="Wingdings" pitchFamily="2" charset="2"/>
+              </a:rPr>
+              <a:t> I was a</a:t>
             </a:r>
           </a:p>
           <a:p>
             <a:r>
-              <a:rPr lang="nl-NL" dirty="0" err="1"/>
-              <a:t>Perplexity</a:t>
-            </a:r>
-            <a:endParaRPr lang="nl-NL" dirty="0"/>
+              <a:rPr lang="nl-NL" dirty="0"/>
+              <a:t>Rijm woorden zijn soms nogal onverwacht</a:t>
+            </a:r>
           </a:p>
           <a:p>
-            <a:r>
-              <a:rPr lang="nl-NL" dirty="0"/>
-              <a:t>Overlap met originele song</a:t>
+            <a:pPr lvl="1"/>
+            <a:r>
+              <a:rPr lang="nl-NL" i="1" dirty="0"/>
+              <a:t>Got a story </a:t>
+            </a:r>
+            <a:r>
+              <a:rPr lang="nl-NL" i="1" dirty="0" err="1"/>
+              <a:t>tokuyama</a:t>
+            </a:r>
+            <a:r>
+              <a:rPr lang="nl-NL" i="1" dirty="0"/>
+              <a:t> (rijmt met a)</a:t>
             </a:r>
           </a:p>
           <a:p>
-            <a:r>
-              <a:rPr lang="nl-NL" dirty="0" err="1"/>
-              <a:t>Repetition</a:t>
-            </a:r>
-            <a:r>
-              <a:rPr lang="nl-NL" dirty="0"/>
-              <a:t> score</a:t>
-            </a:r>
+            <a:endParaRPr lang="nl-NL" i="1" dirty="0">
+              <a:sym typeface="Wingdings" pitchFamily="2" charset="2"/>
+            </a:endParaRPr>
+          </a:p>
+          <a:p>
+            <a:endParaRPr lang="nl-NL" dirty="0"/>
           </a:p>
         </p:txBody>
       </p:sp>
@@ -10376,6 +10599,198 @@
             </a:r>
             <a:r>
               <a:rPr lang="nl-NL" dirty="0"/>
+              <a:t>Problemen</a:t>
+            </a:r>
+            <a:endParaRPr lang="en-US" dirty="0"/>
+          </a:p>
+        </p:txBody>
+      </p:sp>
+    </p:spTree>
+    <p:extLst>
+      <p:ext uri="{BB962C8B-B14F-4D97-AF65-F5344CB8AC3E}">
+        <p14:creationId xmlns:p14="http://schemas.microsoft.com/office/powerpoint/2010/main" val="3627097979"/>
+      </p:ext>
+    </p:extLst>
+  </p:cSld>
+  <p:clrMapOvr>
+    <a:masterClrMapping/>
+  </p:clrMapOvr>
+</p:sld>
+</file>
+
+<file path=ppt/slides/slide23.xml><?xml version="1.0" encoding="utf-8"?>
+<p:sld xmlns:a="http://schemas.openxmlformats.org/drawingml/2006/main" xmlns:r="http://schemas.openxmlformats.org/officeDocument/2006/relationships" xmlns:p="http://schemas.openxmlformats.org/presentationml/2006/main">
+  <p:cSld>
+    <p:spTree>
+      <p:nvGrpSpPr>
+        <p:cNvPr id="1" name=""/>
+        <p:cNvGrpSpPr/>
+        <p:nvPr/>
+      </p:nvGrpSpPr>
+      <p:grpSpPr>
+        <a:xfrm>
+          <a:off x="0" y="0"/>
+          <a:ext cx="0" cy="0"/>
+          <a:chOff x="0" y="0"/>
+          <a:chExt cx="0" cy="0"/>
+        </a:xfrm>
+      </p:grpSpPr>
+      <p:sp>
+        <p:nvSpPr>
+          <p:cNvPr id="2" name="Tijdelijke aanduiding voor inhoud 1">
+            <a:extLst>
+              <a:ext uri="{FF2B5EF4-FFF2-40B4-BE49-F238E27FC236}">
+                <a16:creationId xmlns:a16="http://schemas.microsoft.com/office/drawing/2014/main" id="{5D957F36-45E6-9225-91FC-50E3511DB37C}"/>
+              </a:ext>
+            </a:extLst>
+          </p:cNvPr>
+          <p:cNvSpPr>
+            <a:spLocks noGrp="1"/>
+          </p:cNvSpPr>
+          <p:nvPr>
+            <p:ph idx="1"/>
+          </p:nvPr>
+        </p:nvSpPr>
+        <p:spPr/>
+        <p:txBody>
+          <a:bodyPr/>
+          <a:lstStyle/>
+          <a:p>
+            <a:r>
+              <a:rPr lang="nl-NL" dirty="0"/>
+              <a:t># lijnen en paragrafen correct?</a:t>
+            </a:r>
+          </a:p>
+          <a:p>
+            <a:r>
+              <a:rPr lang="nl-NL" dirty="0"/>
+              <a:t># lettergrepen per lijn correct?</a:t>
+            </a:r>
+          </a:p>
+          <a:p>
+            <a:r>
+              <a:rPr lang="nl-NL" dirty="0"/>
+              <a:t>Correcte eindrijm?</a:t>
+            </a:r>
+          </a:p>
+          <a:p>
+            <a:r>
+              <a:rPr lang="nl-NL" dirty="0"/>
+              <a:t>Correcte POS-tag sequentie?</a:t>
+            </a:r>
+          </a:p>
+          <a:p>
+            <a:r>
+              <a:rPr lang="nl-NL" dirty="0" err="1"/>
+              <a:t>Perplexity</a:t>
+            </a:r>
+            <a:endParaRPr lang="nl-NL" dirty="0"/>
+          </a:p>
+          <a:p>
+            <a:r>
+              <a:rPr lang="nl-NL" dirty="0"/>
+              <a:t>Overlap met originele song</a:t>
+            </a:r>
+          </a:p>
+          <a:p>
+            <a:r>
+              <a:rPr lang="nl-NL" dirty="0" err="1"/>
+              <a:t>Repetition</a:t>
+            </a:r>
+            <a:r>
+              <a:rPr lang="nl-NL" dirty="0"/>
+              <a:t> score</a:t>
+            </a:r>
+          </a:p>
+        </p:txBody>
+      </p:sp>
+      <p:sp>
+        <p:nvSpPr>
+          <p:cNvPr id="3" name="Tijdelijke aanduiding voor voettekst 2">
+            <a:extLst>
+              <a:ext uri="{FF2B5EF4-FFF2-40B4-BE49-F238E27FC236}">
+                <a16:creationId xmlns:a16="http://schemas.microsoft.com/office/drawing/2014/main" id="{622AE155-BA44-632D-7929-B935A78B28FE}"/>
+              </a:ext>
+            </a:extLst>
+          </p:cNvPr>
+          <p:cNvSpPr>
+            <a:spLocks noGrp="1"/>
+          </p:cNvSpPr>
+          <p:nvPr>
+            <p:ph type="ftr" sz="quarter" idx="11"/>
+          </p:nvPr>
+        </p:nvSpPr>
+        <p:spPr/>
+        <p:txBody>
+          <a:bodyPr/>
+          <a:lstStyle/>
+          <a:p>
+            <a:r>
+              <a:rPr lang="nl-NL"/>
+              <a:t>Computerwetenschappen - DTAI</a:t>
+            </a:r>
+            <a:endParaRPr lang="nl-NL" dirty="0"/>
+          </a:p>
+        </p:txBody>
+      </p:sp>
+      <p:sp>
+        <p:nvSpPr>
+          <p:cNvPr id="4" name="Tijdelijke aanduiding voor dianummer 3">
+            <a:extLst>
+              <a:ext uri="{FF2B5EF4-FFF2-40B4-BE49-F238E27FC236}">
+                <a16:creationId xmlns:a16="http://schemas.microsoft.com/office/drawing/2014/main" id="{C9E4B0DC-9E9A-589C-0F49-7E62AD83B3D9}"/>
+              </a:ext>
+            </a:extLst>
+          </p:cNvPr>
+          <p:cNvSpPr>
+            <a:spLocks noGrp="1"/>
+          </p:cNvSpPr>
+          <p:nvPr>
+            <p:ph type="sldNum" sz="quarter" idx="12"/>
+          </p:nvPr>
+        </p:nvSpPr>
+        <p:spPr/>
+        <p:txBody>
+          <a:bodyPr/>
+          <a:lstStyle/>
+          <a:p>
+            <a:fld id="{0A297500-7527-634B-90F4-69D0994C32B4}" type="slidenum">
+              <a:rPr lang="nl-NL" smtClean="0"/>
+              <a:t>23</a:t>
+            </a:fld>
+            <a:endParaRPr lang="nl-NL" dirty="0"/>
+          </a:p>
+        </p:txBody>
+      </p:sp>
+      <p:sp>
+        <p:nvSpPr>
+          <p:cNvPr id="5" name="Titel 4">
+            <a:extLst>
+              <a:ext uri="{FF2B5EF4-FFF2-40B4-BE49-F238E27FC236}">
+                <a16:creationId xmlns:a16="http://schemas.microsoft.com/office/drawing/2014/main" id="{C59A1A93-DA15-6CCA-3099-EA5C0AE16C6B}"/>
+              </a:ext>
+            </a:extLst>
+          </p:cNvPr>
+          <p:cNvSpPr>
+            <a:spLocks noGrp="1"/>
+          </p:cNvSpPr>
+          <p:nvPr>
+            <p:ph type="title"/>
+          </p:nvPr>
+        </p:nvSpPr>
+        <p:spPr/>
+        <p:txBody>
+          <a:bodyPr>
+            <a:normAutofit/>
+          </a:bodyPr>
+          <a:lstStyle/>
+          <a:p>
+            <a:r>
+              <a:rPr lang="nl-NL" b="1" dirty="0"/>
+              <a:t>Huidig onderzoek: </a:t>
+            </a:r>
+            <a:r>
+              <a:rPr lang="nl-NL" dirty="0"/>
               <a:t>Evaluatie</a:t>
             </a:r>
             <a:endParaRPr lang="en-US" dirty="0"/>
@@ -10395,7 +10810,7 @@
 </p:sld>
 </file>
 
-<file path=ppt/slides/slide23.xml><?xml version="1.0" encoding="utf-8"?>
+<file path=ppt/slides/slide24.xml><?xml version="1.0" encoding="utf-8"?>
 <p:sld xmlns:a="http://schemas.openxmlformats.org/drawingml/2006/main" xmlns:r="http://schemas.openxmlformats.org/officeDocument/2006/relationships" xmlns:p="http://schemas.openxmlformats.org/presentationml/2006/main">
   <p:cSld>
     <p:spTree>
@@ -10532,7 +10947,7 @@
           <a:p>
             <a:fld id="{0A297500-7527-634B-90F4-69D0994C32B4}" type="slidenum">
               <a:rPr lang="nl-NL" smtClean="0"/>
-              <a:t>23</a:t>
+              <a:t>24</a:t>
             </a:fld>
             <a:endParaRPr lang="nl-NL" dirty="0"/>
           </a:p>
@@ -10582,7 +10997,7 @@
 </p:sld>
 </file>
 
-<file path=ppt/slides/slide24.xml><?xml version="1.0" encoding="utf-8"?>
+<file path=ppt/slides/slide25.xml><?xml version="1.0" encoding="utf-8"?>
 <p:sld xmlns:a="http://schemas.openxmlformats.org/drawingml/2006/main" xmlns:r="http://schemas.openxmlformats.org/officeDocument/2006/relationships" xmlns:p="http://schemas.openxmlformats.org/presentationml/2006/main">
   <p:cSld>
     <p:spTree>
@@ -10650,7 +11065,7 @@
           <a:p>
             <a:fld id="{0A297500-7527-634B-90F4-69D0994C32B4}" type="slidenum">
               <a:rPr lang="nl-NL" smtClean="0"/>
-              <a:t>24</a:t>
+              <a:t>25</a:t>
             </a:fld>
             <a:endParaRPr lang="nl-NL"/>
           </a:p>
@@ -10732,13 +11147,8 @@
             <a:pPr lvl="1"/>
             <a:r>
               <a:rPr lang="nl-BE" sz="1800" dirty="0"/>
-              <a:t>Evaluate </a:t>
-            </a:r>
-            <a:r>
-              <a:rPr lang="nl-BE" sz="1800"/>
-              <a:t>different models and approaches</a:t>
-            </a:r>
-            <a:endParaRPr lang="nl-BE" sz="1800" dirty="0"/>
+              <a:t>Evaluate different models and approaches</a:t>
+            </a:r>
           </a:p>
           <a:p>
             <a:r>
